--- a/Datalogger.pptx
+++ b/Datalogger.pptx
@@ -3022,7 +3022,7 @@
         </p:blipFill>
         <p:spPr>
           <a:xfrm>
-            <a:off x="2383971" y="1338943"/>
+            <a:off x="2279112" y="1310546"/>
             <a:ext cx="7633775" cy="5182329"/>
           </a:xfrm>
         </p:spPr>
